--- a/okuma_naohiro.pptx
+++ b/okuma_naohiro.pptx
@@ -106,7 +106,7 @@
   </p:defaultTextStyle>
   <p:extLst>
     <p:ext uri="{EFAFB233-063F-42B5-8137-9DF3F51BA10A}">
-      <p15:sldGuideLst xmlns:p15="http://schemas.microsoft.com/office/powerpoint/2012/main" xmlns=""/>
+      <p15:sldGuideLst xmlns="" xmlns:p15="http://schemas.microsoft.com/office/powerpoint/2012/main"/>
     </p:ext>
   </p:extLst>
 </p:presentation>
@@ -3241,7 +3241,7 @@
           <p:cNvPr id="2" name="タイトル 1">
             <a:extLst>
               <a:ext uri="{FF2B5EF4-FFF2-40B4-BE49-F238E27FC236}">
-                <a16:creationId xmlns:a16="http://schemas.microsoft.com/office/drawing/2014/main" xmlns="" id="{47BBFED6-DFD8-4CDE-AE45-4B318F7FF625}"/>
+                <a16:creationId xmlns="" xmlns:a16="http://schemas.microsoft.com/office/drawing/2014/main" id="{47BBFED6-DFD8-4CDE-AE45-4B318F7FF625}"/>
               </a:ext>
             </a:extLst>
           </p:cNvPr>
@@ -3308,7 +3308,7 @@
           <p:cNvPr id="3" name="直線矢印コネクタ 2">
             <a:extLst>
               <a:ext uri="{FF2B5EF4-FFF2-40B4-BE49-F238E27FC236}">
-                <a16:creationId xmlns:a16="http://schemas.microsoft.com/office/drawing/2014/main" xmlns="" id="{1F91CD8B-B47B-4300-83F8-E5CC5ACE2244}"/>
+                <a16:creationId xmlns="" xmlns:a16="http://schemas.microsoft.com/office/drawing/2014/main" id="{1F91CD8B-B47B-4300-83F8-E5CC5ACE2244}"/>
               </a:ext>
             </a:extLst>
           </p:cNvPr>
@@ -3367,6 +3367,201 @@
               <a:t>プロダクトオーナーとして</a:t>
             </a:r>
             <a:endParaRPr kumimoji="1" lang="ja-JP" altLang="en-US" dirty="0"/>
+          </a:p>
+        </p:txBody>
+      </p:sp>
+      <p:sp>
+        <p:nvSpPr>
+          <p:cNvPr id="5" name="テキスト ボックス 4"/>
+          <p:cNvSpPr txBox="1"/>
+          <p:nvPr/>
+        </p:nvSpPr>
+        <p:spPr>
+          <a:xfrm>
+            <a:off x="1727200" y="1532467"/>
+            <a:ext cx="6874974" cy="4524316"/>
+          </a:xfrm>
+          <a:prstGeom prst="rect">
+            <a:avLst/>
+          </a:prstGeom>
+          <a:noFill/>
+        </p:spPr>
+        <p:txBody>
+          <a:bodyPr wrap="none" rtlCol="0">
+            <a:spAutoFit/>
+          </a:bodyPr>
+          <a:lstStyle/>
+          <a:p>
+            <a:r>
+              <a:rPr lang="ja-JP" altLang="en-US" dirty="0" smtClean="0"/>
+              <a:t>プロダクトの方向性に責任を持つ</a:t>
+            </a:r>
+            <a:endParaRPr lang="en-US" altLang="ja-JP" dirty="0" smtClean="0"/>
+          </a:p>
+          <a:p>
+            <a:r>
+              <a:rPr kumimoji="1" lang="ja-JP" altLang="en-US" dirty="0" smtClean="0"/>
+              <a:t>プロダクトの完成形のイメージを開発者に伝えるために</a:t>
+            </a:r>
+            <a:endParaRPr kumimoji="1" lang="en-US" altLang="ja-JP" dirty="0" smtClean="0"/>
+          </a:p>
+          <a:p>
+            <a:r>
+              <a:rPr lang="en-US" altLang="ja-JP" dirty="0"/>
+              <a:t>	</a:t>
+            </a:r>
+            <a:r>
+              <a:rPr lang="ja-JP" altLang="en-US" dirty="0" smtClean="0"/>
+              <a:t>ワイヤーフレームの作成</a:t>
+            </a:r>
+            <a:endParaRPr lang="en-US" altLang="ja-JP" dirty="0" smtClean="0"/>
+          </a:p>
+          <a:p>
+            <a:r>
+              <a:rPr lang="en-US" altLang="ja-JP" dirty="0"/>
+              <a:t>	</a:t>
+            </a:r>
+            <a:r>
+              <a:rPr lang="ja-JP" altLang="en-US" dirty="0" smtClean="0"/>
+              <a:t>優先順位付け</a:t>
+            </a:r>
+            <a:endParaRPr lang="en-US" altLang="ja-JP" dirty="0" smtClean="0"/>
+          </a:p>
+          <a:p>
+            <a:r>
+              <a:rPr lang="en-US" altLang="ja-JP" dirty="0"/>
+              <a:t>	</a:t>
+            </a:r>
+            <a:r>
+              <a:rPr lang="ja-JP" altLang="en-US" dirty="0" smtClean="0"/>
+              <a:t>タスクの割当</a:t>
+            </a:r>
+            <a:endParaRPr lang="en-US" altLang="ja-JP" dirty="0" smtClean="0"/>
+          </a:p>
+          <a:p>
+            <a:r>
+              <a:rPr lang="en-US" altLang="ja-JP" dirty="0"/>
+              <a:t>	</a:t>
+            </a:r>
+            <a:r>
+              <a:rPr lang="ja-JP" altLang="en-US" dirty="0" smtClean="0"/>
+              <a:t>進捗のフォロー</a:t>
+            </a:r>
+            <a:endParaRPr lang="en-US" altLang="ja-JP" dirty="0" smtClean="0"/>
+          </a:p>
+          <a:p>
+            <a:endParaRPr lang="en-US" altLang="ja-JP" dirty="0"/>
+          </a:p>
+          <a:p>
+            <a:r>
+              <a:rPr lang="ja-JP" altLang="en-US" dirty="0" smtClean="0"/>
+              <a:t>以前はこれらがあいまいだったが、私が</a:t>
+            </a:r>
+            <a:r>
+              <a:rPr lang="en-US" altLang="ja-JP" dirty="0" smtClean="0"/>
+              <a:t>PO</a:t>
+            </a:r>
+            <a:r>
+              <a:rPr lang="ja-JP" altLang="en-US" dirty="0" smtClean="0"/>
+              <a:t>としてじょうきを行うことで、</a:t>
+            </a:r>
+            <a:endParaRPr lang="en-US" altLang="ja-JP" dirty="0" smtClean="0"/>
+          </a:p>
+          <a:p>
+            <a:r>
+              <a:rPr lang="en-US" altLang="ja-JP" dirty="0"/>
+              <a:t>	</a:t>
+            </a:r>
+            <a:r>
+              <a:rPr lang="ja-JP" altLang="en-US" dirty="0" smtClean="0"/>
+              <a:t>提出成果物の質の向上</a:t>
+            </a:r>
+            <a:endParaRPr lang="en-US" altLang="ja-JP" dirty="0" smtClean="0"/>
+          </a:p>
+          <a:p>
+            <a:r>
+              <a:rPr lang="en-US" altLang="ja-JP" dirty="0"/>
+              <a:t>	</a:t>
+            </a:r>
+            <a:r>
+              <a:rPr lang="ja-JP" altLang="en-US" dirty="0" smtClean="0"/>
+              <a:t>優先度が高い成果物の提出</a:t>
+            </a:r>
+            <a:endParaRPr lang="en-US" altLang="ja-JP" dirty="0" smtClean="0"/>
+          </a:p>
+          <a:p>
+            <a:r>
+              <a:rPr lang="en-US" altLang="ja-JP" dirty="0"/>
+              <a:t>	</a:t>
+            </a:r>
+            <a:r>
+              <a:rPr lang="ja-JP" altLang="en-US" dirty="0" smtClean="0"/>
+              <a:t>作業内容の明確化</a:t>
+            </a:r>
+            <a:endParaRPr lang="en-US" altLang="ja-JP" dirty="0" smtClean="0"/>
+          </a:p>
+          <a:p>
+            <a:r>
+              <a:rPr lang="en-US" altLang="ja-JP" dirty="0"/>
+              <a:t>	</a:t>
+            </a:r>
+            <a:r>
+              <a:rPr lang="ja-JP" altLang="en-US" dirty="0" smtClean="0"/>
+              <a:t>進捗の問題の早期把握</a:t>
+            </a:r>
+            <a:endParaRPr lang="en-US" altLang="ja-JP" dirty="0" smtClean="0"/>
+          </a:p>
+          <a:p>
+            <a:r>
+              <a:rPr lang="ja-JP" altLang="en-US" dirty="0" smtClean="0"/>
+              <a:t>などができるようになった。</a:t>
+            </a:r>
+            <a:endParaRPr lang="en-US" altLang="ja-JP" dirty="0" smtClean="0"/>
+          </a:p>
+          <a:p>
+            <a:endParaRPr lang="en-US" altLang="ja-JP" dirty="0"/>
+          </a:p>
+          <a:p>
+            <a:r>
+              <a:rPr lang="ja-JP" altLang="en-US" dirty="0" smtClean="0"/>
+              <a:t>また、</a:t>
+            </a:r>
+            <a:r>
+              <a:rPr lang="en-US" altLang="ja-JP" dirty="0" smtClean="0"/>
+              <a:t>ONSEN</a:t>
+            </a:r>
+            <a:r>
+              <a:rPr lang="ja-JP" altLang="en-US" dirty="0" smtClean="0"/>
+              <a:t> </a:t>
+            </a:r>
+            <a:r>
+              <a:rPr lang="en-US" altLang="ja-JP" dirty="0" smtClean="0"/>
+              <a:t>UI</a:t>
+            </a:r>
+            <a:r>
+              <a:rPr lang="ja-JP" altLang="en-US" dirty="0" smtClean="0"/>
+              <a:t>のもととなる</a:t>
+            </a:r>
+            <a:r>
+              <a:rPr lang="en-US" altLang="ja-JP" dirty="0" smtClean="0"/>
+              <a:t>Web</a:t>
+            </a:r>
+            <a:r>
+              <a:rPr lang="ja-JP" altLang="en-US" dirty="0" smtClean="0"/>
+              <a:t>コンポーネントや、</a:t>
+            </a:r>
+            <a:endParaRPr lang="en-US" altLang="ja-JP" smtClean="0"/>
+          </a:p>
+          <a:p>
+            <a:r>
+              <a:rPr lang="en-US" altLang="ja-JP" smtClean="0"/>
+              <a:t>DB</a:t>
+            </a:r>
+            <a:r>
+              <a:rPr lang="ja-JP" altLang="en-US" dirty="0" smtClean="0"/>
+              <a:t>のテーブルの基本的な構成などを紹介されてもらった</a:t>
+            </a:r>
+            <a:endParaRPr lang="en-US" altLang="ja-JP" dirty="0"/>
           </a:p>
         </p:txBody>
       </p:sp>
@@ -3638,7 +3833,7 @@
   <a:extraClrSchemeLst/>
   <a:extLst>
     <a:ext uri="{05A4C25C-085E-4340-85A3-A5531E510DB2}">
-      <thm15:themeFamily xmlns:thm15="http://schemas.microsoft.com/office/thememl/2012/main" xmlns="" name="Office Theme" id="{62F939B6-93AF-4DB8-9C6B-D6C7DFDC589F}" vid="{4A3C46E8-61CC-4603-A589-7422A47A8E4A}"/>
+      <thm15:themeFamily xmlns="" xmlns:thm15="http://schemas.microsoft.com/office/thememl/2012/main" name="Office Theme" id="{62F939B6-93AF-4DB8-9C6B-D6C7DFDC589F}" vid="{4A3C46E8-61CC-4603-A589-7422A47A8E4A}"/>
     </a:ext>
   </a:extLst>
 </a:theme>
